--- a/documents/life_cycle/templates/template_pre_banca.pptx
+++ b/documents/life_cycle/templates/template_pre_banca.pptx
@@ -248,7 +248,7 @@
               <a:pPr>
                 <a:defRPr/>
               </a:pPr>
-              <a:t>26/09/2015</a:t>
+              <a:t>04/10/2015</a:t>
             </a:fld>
             <a:endParaRPr lang="pt-BR"/>
           </a:p>
@@ -332,7 +332,7 @@
     </p:spTree>
     <p:extLst>
       <p:ext uri="{BB962C8B-B14F-4D97-AF65-F5344CB8AC3E}">
-        <p14:creationId xmlns:p14="http://schemas.microsoft.com/office/powerpoint/2010/main" val="2766912791"/>
+        <p14:creationId xmlns:p14="http://schemas.microsoft.com/office/powerpoint/2010/main" xmlns="" val="2766912791"/>
       </p:ext>
     </p:extLst>
   </p:cSld>
@@ -434,7 +434,7 @@
               <a:pPr>
                 <a:defRPr/>
               </a:pPr>
-              <a:t>26/09/2015</a:t>
+              <a:t>04/10/2015</a:t>
             </a:fld>
             <a:endParaRPr lang="pt-BR"/>
           </a:p>
@@ -613,7 +613,7 @@
     </p:spTree>
     <p:extLst>
       <p:ext uri="{BB962C8B-B14F-4D97-AF65-F5344CB8AC3E}">
-        <p14:creationId xmlns:p14="http://schemas.microsoft.com/office/powerpoint/2010/main" val="2614137840"/>
+        <p14:creationId xmlns:p14="http://schemas.microsoft.com/office/powerpoint/2010/main" xmlns="" val="2614137840"/>
       </p:ext>
     </p:extLst>
   </p:cSld>
@@ -782,7 +782,7 @@
           </a:ln>
           <a:extLst>
             <a:ext uri="{909E8E84-426E-40DD-AFC4-6F175D3DCCD1}">
-              <a14:hiddenFill xmlns:a14="http://schemas.microsoft.com/office/drawing/2010/main">
+              <a14:hiddenFill xmlns:a14="http://schemas.microsoft.com/office/drawing/2010/main" xmlns="">
                 <a:solidFill>
                   <a:srgbClr val="FFFFFF"/>
                 </a:solidFill>
@@ -805,14 +805,14 @@
           <a:noFill/>
           <a:extLst>
             <a:ext uri="{909E8E84-426E-40DD-AFC4-6F175D3DCCD1}">
-              <a14:hiddenFill xmlns:a14="http://schemas.microsoft.com/office/drawing/2010/main">
+              <a14:hiddenFill xmlns:a14="http://schemas.microsoft.com/office/drawing/2010/main" xmlns="">
                 <a:solidFill>
                   <a:srgbClr val="FFFFFF"/>
                 </a:solidFill>
               </a14:hiddenFill>
             </a:ext>
             <a:ext uri="{91240B29-F687-4F45-9708-019B960494DF}">
-              <a14:hiddenLine xmlns:a14="http://schemas.microsoft.com/office/drawing/2010/main" w="9525">
+              <a14:hiddenLine xmlns:a14="http://schemas.microsoft.com/office/drawing/2010/main" xmlns="" w="9525">
                 <a:solidFill>
                   <a:srgbClr val="000000"/>
                 </a:solidFill>
@@ -854,14 +854,14 @@
           <a:noFill/>
           <a:extLst>
             <a:ext uri="{909E8E84-426E-40DD-AFC4-6F175D3DCCD1}">
-              <a14:hiddenFill xmlns:a14="http://schemas.microsoft.com/office/drawing/2010/main">
+              <a14:hiddenFill xmlns:a14="http://schemas.microsoft.com/office/drawing/2010/main" xmlns="">
                 <a:solidFill>
                   <a:srgbClr val="FFFFFF"/>
                 </a:solidFill>
               </a14:hiddenFill>
             </a:ext>
             <a:ext uri="{91240B29-F687-4F45-9708-019B960494DF}">
-              <a14:hiddenLine xmlns:a14="http://schemas.microsoft.com/office/drawing/2010/main" w="9525">
+              <a14:hiddenLine xmlns:a14="http://schemas.microsoft.com/office/drawing/2010/main" xmlns="" w="9525">
                 <a:solidFill>
                   <a:srgbClr val="000000"/>
                 </a:solidFill>
@@ -1061,7 +1061,7 @@
           </a:ln>
           <a:extLst>
             <a:ext uri="{909E8E84-426E-40DD-AFC4-6F175D3DCCD1}">
-              <a14:hiddenFill xmlns:a14="http://schemas.microsoft.com/office/drawing/2010/main">
+              <a14:hiddenFill xmlns:a14="http://schemas.microsoft.com/office/drawing/2010/main" xmlns="">
                 <a:solidFill>
                   <a:srgbClr val="FFFFFF"/>
                 </a:solidFill>
@@ -1084,14 +1084,14 @@
           <a:noFill/>
           <a:extLst>
             <a:ext uri="{909E8E84-426E-40DD-AFC4-6F175D3DCCD1}">
-              <a14:hiddenFill xmlns:a14="http://schemas.microsoft.com/office/drawing/2010/main">
+              <a14:hiddenFill xmlns:a14="http://schemas.microsoft.com/office/drawing/2010/main" xmlns="">
                 <a:solidFill>
                   <a:srgbClr val="FFFFFF"/>
                 </a:solidFill>
               </a14:hiddenFill>
             </a:ext>
             <a:ext uri="{91240B29-F687-4F45-9708-019B960494DF}">
-              <a14:hiddenLine xmlns:a14="http://schemas.microsoft.com/office/drawing/2010/main" w="9525">
+              <a14:hiddenLine xmlns:a14="http://schemas.microsoft.com/office/drawing/2010/main" xmlns="" w="9525">
                 <a:solidFill>
                   <a:srgbClr val="000000"/>
                 </a:solidFill>
@@ -1133,14 +1133,14 @@
           <a:noFill/>
           <a:extLst>
             <a:ext uri="{909E8E84-426E-40DD-AFC4-6F175D3DCCD1}">
-              <a14:hiddenFill xmlns:a14="http://schemas.microsoft.com/office/drawing/2010/main">
+              <a14:hiddenFill xmlns:a14="http://schemas.microsoft.com/office/drawing/2010/main" xmlns="">
                 <a:solidFill>
                   <a:srgbClr val="FFFFFF"/>
                 </a:solidFill>
               </a14:hiddenFill>
             </a:ext>
             <a:ext uri="{91240B29-F687-4F45-9708-019B960494DF}">
-              <a14:hiddenLine xmlns:a14="http://schemas.microsoft.com/office/drawing/2010/main" w="9525">
+              <a14:hiddenLine xmlns:a14="http://schemas.microsoft.com/office/drawing/2010/main" xmlns="" w="9525">
                 <a:solidFill>
                   <a:srgbClr val="000000"/>
                 </a:solidFill>
@@ -1414,7 +1414,7 @@
     </p:spTree>
     <p:extLst>
       <p:ext uri="{BB962C8B-B14F-4D97-AF65-F5344CB8AC3E}">
-        <p14:creationId xmlns:p14="http://schemas.microsoft.com/office/powerpoint/2010/main" val="2929682239"/>
+        <p14:creationId xmlns:p14="http://schemas.microsoft.com/office/powerpoint/2010/main" xmlns="" val="2929682239"/>
       </p:ext>
     </p:extLst>
   </p:cSld>
@@ -1644,7 +1644,7 @@
     </p:spTree>
     <p:extLst>
       <p:ext uri="{BB962C8B-B14F-4D97-AF65-F5344CB8AC3E}">
-        <p14:creationId xmlns:p14="http://schemas.microsoft.com/office/powerpoint/2010/main" val="4100570704"/>
+        <p14:creationId xmlns:p14="http://schemas.microsoft.com/office/powerpoint/2010/main" xmlns="" val="4100570704"/>
       </p:ext>
     </p:extLst>
   </p:cSld>
@@ -2006,7 +2006,7 @@
     </p:spTree>
     <p:extLst>
       <p:ext uri="{BB962C8B-B14F-4D97-AF65-F5344CB8AC3E}">
-        <p14:creationId xmlns:p14="http://schemas.microsoft.com/office/powerpoint/2010/main" val="808366113"/>
+        <p14:creationId xmlns:p14="http://schemas.microsoft.com/office/powerpoint/2010/main" xmlns="" val="808366113"/>
       </p:ext>
     </p:extLst>
   </p:cSld>
@@ -2059,7 +2059,7 @@
     </p:spTree>
     <p:extLst>
       <p:ext uri="{BB962C8B-B14F-4D97-AF65-F5344CB8AC3E}">
-        <p14:creationId xmlns:p14="http://schemas.microsoft.com/office/powerpoint/2010/main" val="3121181540"/>
+        <p14:creationId xmlns:p14="http://schemas.microsoft.com/office/powerpoint/2010/main" xmlns="" val="3121181540"/>
       </p:ext>
     </p:extLst>
   </p:cSld>
@@ -2089,7 +2089,7 @@
     </p:spTree>
     <p:extLst>
       <p:ext uri="{BB962C8B-B14F-4D97-AF65-F5344CB8AC3E}">
-        <p14:creationId xmlns:p14="http://schemas.microsoft.com/office/powerpoint/2010/main" val="490494082"/>
+        <p14:creationId xmlns:p14="http://schemas.microsoft.com/office/powerpoint/2010/main" xmlns="" val="490494082"/>
       </p:ext>
     </p:extLst>
   </p:cSld>
@@ -2301,7 +2301,7 @@
     </p:spTree>
     <p:extLst>
       <p:ext uri="{BB962C8B-B14F-4D97-AF65-F5344CB8AC3E}">
-        <p14:creationId xmlns:p14="http://schemas.microsoft.com/office/powerpoint/2010/main" val="1717056819"/>
+        <p14:creationId xmlns:p14="http://schemas.microsoft.com/office/powerpoint/2010/main" xmlns="" val="1717056819"/>
       </p:ext>
     </p:extLst>
   </p:cSld>
@@ -2490,7 +2490,7 @@
     </p:spTree>
     <p:extLst>
       <p:ext uri="{BB962C8B-B14F-4D97-AF65-F5344CB8AC3E}">
-        <p14:creationId xmlns:p14="http://schemas.microsoft.com/office/powerpoint/2010/main" val="1706678512"/>
+        <p14:creationId xmlns:p14="http://schemas.microsoft.com/office/powerpoint/2010/main" xmlns="" val="1706678512"/>
       </p:ext>
     </p:extLst>
   </p:cSld>
@@ -2595,7 +2595,7 @@
     </p:spTree>
     <p:extLst>
       <p:ext uri="{BB962C8B-B14F-4D97-AF65-F5344CB8AC3E}">
-        <p14:creationId xmlns:p14="http://schemas.microsoft.com/office/powerpoint/2010/main" val="1634142971"/>
+        <p14:creationId xmlns:p14="http://schemas.microsoft.com/office/powerpoint/2010/main" xmlns="" val="1634142971"/>
       </p:ext>
     </p:extLst>
   </p:cSld>
@@ -2710,7 +2710,7 @@
     </p:spTree>
     <p:extLst>
       <p:ext uri="{BB962C8B-B14F-4D97-AF65-F5344CB8AC3E}">
-        <p14:creationId xmlns:p14="http://schemas.microsoft.com/office/powerpoint/2010/main" val="975653304"/>
+        <p14:creationId xmlns:p14="http://schemas.microsoft.com/office/powerpoint/2010/main" xmlns="" val="975653304"/>
       </p:ext>
     </p:extLst>
   </p:cSld>
@@ -2911,7 +2911,7 @@
               <a:pPr>
                 <a:defRPr/>
               </a:pPr>
-              <a:t>26/09/2015</a:t>
+              <a:t>04/10/2015</a:t>
             </a:fld>
             <a:endParaRPr lang="pt-BR"/>
           </a:p>
@@ -2979,7 +2979,7 @@
     </p:spTree>
     <p:extLst>
       <p:ext uri="{BB962C8B-B14F-4D97-AF65-F5344CB8AC3E}">
-        <p14:creationId xmlns:p14="http://schemas.microsoft.com/office/powerpoint/2010/main" val="179250397"/>
+        <p14:creationId xmlns:p14="http://schemas.microsoft.com/office/powerpoint/2010/main" xmlns="" val="179250397"/>
       </p:ext>
     </p:extLst>
   </p:cSld>
@@ -3108,7 +3108,7 @@
               <a:pPr>
                 <a:defRPr/>
               </a:pPr>
-              <a:t>26/09/2015</a:t>
+              <a:t>04/10/2015</a:t>
             </a:fld>
             <a:endParaRPr lang="pt-BR"/>
           </a:p>
@@ -3176,7 +3176,7 @@
     </p:spTree>
     <p:extLst>
       <p:ext uri="{BB962C8B-B14F-4D97-AF65-F5344CB8AC3E}">
-        <p14:creationId xmlns:p14="http://schemas.microsoft.com/office/powerpoint/2010/main" val="1981752884"/>
+        <p14:creationId xmlns:p14="http://schemas.microsoft.com/office/powerpoint/2010/main" xmlns="" val="1981752884"/>
       </p:ext>
     </p:extLst>
   </p:cSld>
@@ -3206,7 +3206,7 @@
     </p:spTree>
     <p:extLst>
       <p:ext uri="{BB962C8B-B14F-4D97-AF65-F5344CB8AC3E}">
-        <p14:creationId xmlns:p14="http://schemas.microsoft.com/office/powerpoint/2010/main" val="635139286"/>
+        <p14:creationId xmlns:p14="http://schemas.microsoft.com/office/powerpoint/2010/main" xmlns="" val="635139286"/>
       </p:ext>
     </p:extLst>
   </p:cSld>
@@ -3418,7 +3418,7 @@
               <a:pPr>
                 <a:defRPr/>
               </a:pPr>
-              <a:t>26/09/2015</a:t>
+              <a:t>04/10/2015</a:t>
             </a:fld>
             <a:endParaRPr lang="pt-BR"/>
           </a:p>
@@ -3486,7 +3486,7 @@
     </p:spTree>
     <p:extLst>
       <p:ext uri="{BB962C8B-B14F-4D97-AF65-F5344CB8AC3E}">
-        <p14:creationId xmlns:p14="http://schemas.microsoft.com/office/powerpoint/2010/main" val="2671327698"/>
+        <p14:creationId xmlns:p14="http://schemas.microsoft.com/office/powerpoint/2010/main" xmlns="" val="2671327698"/>
       </p:ext>
     </p:extLst>
   </p:cSld>
@@ -3733,7 +3733,7 @@
               <a:pPr>
                 <a:defRPr/>
               </a:pPr>
-              <a:t>26/09/2015</a:t>
+              <a:t>04/10/2015</a:t>
             </a:fld>
             <a:endParaRPr lang="pt-BR"/>
           </a:p>
@@ -3801,7 +3801,7 @@
     </p:spTree>
     <p:extLst>
       <p:ext uri="{BB962C8B-B14F-4D97-AF65-F5344CB8AC3E}">
-        <p14:creationId xmlns:p14="http://schemas.microsoft.com/office/powerpoint/2010/main" val="1566800431"/>
+        <p14:creationId xmlns:p14="http://schemas.microsoft.com/office/powerpoint/2010/main" xmlns="" val="1566800431"/>
       </p:ext>
     </p:extLst>
   </p:cSld>
@@ -4182,7 +4182,7 @@
               <a:pPr>
                 <a:defRPr/>
               </a:pPr>
-              <a:t>26/09/2015</a:t>
+              <a:t>04/10/2015</a:t>
             </a:fld>
             <a:endParaRPr lang="pt-BR"/>
           </a:p>
@@ -4250,7 +4250,7 @@
     </p:spTree>
     <p:extLst>
       <p:ext uri="{BB962C8B-B14F-4D97-AF65-F5344CB8AC3E}">
-        <p14:creationId xmlns:p14="http://schemas.microsoft.com/office/powerpoint/2010/main" val="1865788100"/>
+        <p14:creationId xmlns:p14="http://schemas.microsoft.com/office/powerpoint/2010/main" xmlns="" val="1865788100"/>
       </p:ext>
     </p:extLst>
   </p:cSld>
@@ -4327,7 +4327,7 @@
               <a:pPr>
                 <a:defRPr/>
               </a:pPr>
-              <a:t>26/09/2015</a:t>
+              <a:t>04/10/2015</a:t>
             </a:fld>
             <a:endParaRPr lang="pt-BR"/>
           </a:p>
@@ -4395,7 +4395,7 @@
     </p:spTree>
     <p:extLst>
       <p:ext uri="{BB962C8B-B14F-4D97-AF65-F5344CB8AC3E}">
-        <p14:creationId xmlns:p14="http://schemas.microsoft.com/office/powerpoint/2010/main" val="689244365"/>
+        <p14:creationId xmlns:p14="http://schemas.microsoft.com/office/powerpoint/2010/main" xmlns="" val="689244365"/>
       </p:ext>
     </p:extLst>
   </p:cSld>
@@ -4449,7 +4449,7 @@
               <a:pPr>
                 <a:defRPr/>
               </a:pPr>
-              <a:t>26/09/2015</a:t>
+              <a:t>04/10/2015</a:t>
             </a:fld>
             <a:endParaRPr lang="pt-BR"/>
           </a:p>
@@ -4517,7 +4517,7 @@
     </p:spTree>
     <p:extLst>
       <p:ext uri="{BB962C8B-B14F-4D97-AF65-F5344CB8AC3E}">
-        <p14:creationId xmlns:p14="http://schemas.microsoft.com/office/powerpoint/2010/main" val="1109179675"/>
+        <p14:creationId xmlns:p14="http://schemas.microsoft.com/office/powerpoint/2010/main" xmlns="" val="1109179675"/>
       </p:ext>
     </p:extLst>
   </p:cSld>
@@ -4753,7 +4753,7 @@
               <a:pPr>
                 <a:defRPr/>
               </a:pPr>
-              <a:t>26/09/2015</a:t>
+              <a:t>04/10/2015</a:t>
             </a:fld>
             <a:endParaRPr lang="pt-BR"/>
           </a:p>
@@ -4821,7 +4821,7 @@
     </p:spTree>
     <p:extLst>
       <p:ext uri="{BB962C8B-B14F-4D97-AF65-F5344CB8AC3E}">
-        <p14:creationId xmlns:p14="http://schemas.microsoft.com/office/powerpoint/2010/main" val="513442740"/>
+        <p14:creationId xmlns:p14="http://schemas.microsoft.com/office/powerpoint/2010/main" xmlns="" val="513442740"/>
       </p:ext>
     </p:extLst>
   </p:cSld>
@@ -5036,7 +5036,7 @@
               <a:pPr>
                 <a:defRPr/>
               </a:pPr>
-              <a:t>26/09/2015</a:t>
+              <a:t>04/10/2015</a:t>
             </a:fld>
             <a:endParaRPr lang="pt-BR"/>
           </a:p>
@@ -5104,7 +5104,7 @@
     </p:spTree>
     <p:extLst>
       <p:ext uri="{BB962C8B-B14F-4D97-AF65-F5344CB8AC3E}">
-        <p14:creationId xmlns:p14="http://schemas.microsoft.com/office/powerpoint/2010/main" val="2452781925"/>
+        <p14:creationId xmlns:p14="http://schemas.microsoft.com/office/powerpoint/2010/main" xmlns="" val="2452781925"/>
       </p:ext>
     </p:extLst>
   </p:cSld>
@@ -5233,7 +5233,7 @@
               <a:pPr>
                 <a:defRPr/>
               </a:pPr>
-              <a:t>26/09/2015</a:t>
+              <a:t>04/10/2015</a:t>
             </a:fld>
             <a:endParaRPr lang="pt-BR"/>
           </a:p>
@@ -5301,7 +5301,7 @@
     </p:spTree>
     <p:extLst>
       <p:ext uri="{BB962C8B-B14F-4D97-AF65-F5344CB8AC3E}">
-        <p14:creationId xmlns:p14="http://schemas.microsoft.com/office/powerpoint/2010/main" val="2775529179"/>
+        <p14:creationId xmlns:p14="http://schemas.microsoft.com/office/powerpoint/2010/main" xmlns="" val="2775529179"/>
       </p:ext>
     </p:extLst>
   </p:cSld>
@@ -5440,7 +5440,7 @@
               <a:pPr>
                 <a:defRPr/>
               </a:pPr>
-              <a:t>26/09/2015</a:t>
+              <a:t>04/10/2015</a:t>
             </a:fld>
             <a:endParaRPr lang="pt-BR"/>
           </a:p>
@@ -5508,7 +5508,7 @@
     </p:spTree>
     <p:extLst>
       <p:ext uri="{BB962C8B-B14F-4D97-AF65-F5344CB8AC3E}">
-        <p14:creationId xmlns:p14="http://schemas.microsoft.com/office/powerpoint/2010/main" val="3556298226"/>
+        <p14:creationId xmlns:p14="http://schemas.microsoft.com/office/powerpoint/2010/main" xmlns="" val="3556298226"/>
       </p:ext>
     </p:extLst>
   </p:cSld>
@@ -5561,7 +5561,7 @@
     </p:spTree>
     <p:extLst>
       <p:ext uri="{BB962C8B-B14F-4D97-AF65-F5344CB8AC3E}">
-        <p14:creationId xmlns:p14="http://schemas.microsoft.com/office/powerpoint/2010/main" val="1478975153"/>
+        <p14:creationId xmlns:p14="http://schemas.microsoft.com/office/powerpoint/2010/main" xmlns="" val="1478975153"/>
       </p:ext>
     </p:extLst>
   </p:cSld>
@@ -5614,7 +5614,7 @@
     </p:spTree>
     <p:extLst>
       <p:ext uri="{BB962C8B-B14F-4D97-AF65-F5344CB8AC3E}">
-        <p14:creationId xmlns:p14="http://schemas.microsoft.com/office/powerpoint/2010/main" val="1837665427"/>
+        <p14:creationId xmlns:p14="http://schemas.microsoft.com/office/powerpoint/2010/main" xmlns="" val="1837665427"/>
       </p:ext>
     </p:extLst>
   </p:cSld>
@@ -5667,7 +5667,7 @@
     </p:spTree>
     <p:extLst>
       <p:ext uri="{BB962C8B-B14F-4D97-AF65-F5344CB8AC3E}">
-        <p14:creationId xmlns:p14="http://schemas.microsoft.com/office/powerpoint/2010/main" val="3733928174"/>
+        <p14:creationId xmlns:p14="http://schemas.microsoft.com/office/powerpoint/2010/main" xmlns="" val="3733928174"/>
       </p:ext>
     </p:extLst>
   </p:cSld>
@@ -5697,7 +5697,7 @@
     </p:spTree>
     <p:extLst>
       <p:ext uri="{BB962C8B-B14F-4D97-AF65-F5344CB8AC3E}">
-        <p14:creationId xmlns:p14="http://schemas.microsoft.com/office/powerpoint/2010/main" val="55576047"/>
+        <p14:creationId xmlns:p14="http://schemas.microsoft.com/office/powerpoint/2010/main" xmlns="" val="55576047"/>
       </p:ext>
     </p:extLst>
   </p:cSld>
@@ -5750,7 +5750,7 @@
     </p:spTree>
     <p:extLst>
       <p:ext uri="{BB962C8B-B14F-4D97-AF65-F5344CB8AC3E}">
-        <p14:creationId xmlns:p14="http://schemas.microsoft.com/office/powerpoint/2010/main" val="3554209550"/>
+        <p14:creationId xmlns:p14="http://schemas.microsoft.com/office/powerpoint/2010/main" xmlns="" val="3554209550"/>
       </p:ext>
     </p:extLst>
   </p:cSld>
@@ -5803,7 +5803,7 @@
     </p:spTree>
     <p:extLst>
       <p:ext uri="{BB962C8B-B14F-4D97-AF65-F5344CB8AC3E}">
-        <p14:creationId xmlns:p14="http://schemas.microsoft.com/office/powerpoint/2010/main" val="3429160587"/>
+        <p14:creationId xmlns:p14="http://schemas.microsoft.com/office/powerpoint/2010/main" xmlns="" val="3429160587"/>
       </p:ext>
     </p:extLst>
   </p:cSld>
@@ -5930,7 +5930,7 @@
     </p:spTree>
     <p:extLst>
       <p:ext uri="{BB962C8B-B14F-4D97-AF65-F5344CB8AC3E}">
-        <p14:creationId xmlns:p14="http://schemas.microsoft.com/office/powerpoint/2010/main" val="2469868364"/>
+        <p14:creationId xmlns:p14="http://schemas.microsoft.com/office/powerpoint/2010/main" xmlns="" val="2469868364"/>
       </p:ext>
     </p:extLst>
   </p:cSld>
@@ -5989,14 +5989,14 @@
           </a:ln>
           <a:extLst>
             <a:ext uri="{909E8E84-426E-40DD-AFC4-6F175D3DCCD1}">
-              <a14:hiddenFill xmlns:a14="http://schemas.microsoft.com/office/drawing/2010/main">
+              <a14:hiddenFill xmlns:a14="http://schemas.microsoft.com/office/drawing/2010/main" xmlns="">
                 <a:solidFill>
                   <a:srgbClr val="FFFFFF"/>
                 </a:solidFill>
               </a14:hiddenFill>
             </a:ext>
             <a:ext uri="{91240B29-F687-4F45-9708-019B960494DF}">
-              <a14:hiddenLine xmlns:a14="http://schemas.microsoft.com/office/drawing/2010/main" w="9525">
+              <a14:hiddenLine xmlns:a14="http://schemas.microsoft.com/office/drawing/2010/main" xmlns="" w="9525">
                 <a:solidFill>
                   <a:srgbClr val="000000"/>
                 </a:solidFill>
@@ -6047,14 +6047,14 @@
           </a:ln>
           <a:extLst>
             <a:ext uri="{909E8E84-426E-40DD-AFC4-6F175D3DCCD1}">
-              <a14:hiddenFill xmlns:a14="http://schemas.microsoft.com/office/drawing/2010/main">
+              <a14:hiddenFill xmlns:a14="http://schemas.microsoft.com/office/drawing/2010/main" xmlns="">
                 <a:solidFill>
                   <a:srgbClr val="FFFFFF"/>
                 </a:solidFill>
               </a14:hiddenFill>
             </a:ext>
             <a:ext uri="{91240B29-F687-4F45-9708-019B960494DF}">
-              <a14:hiddenLine xmlns:a14="http://schemas.microsoft.com/office/drawing/2010/main" w="9525">
+              <a14:hiddenLine xmlns:a14="http://schemas.microsoft.com/office/drawing/2010/main" xmlns="" w="9525">
                 <a:solidFill>
                   <a:srgbClr val="000000"/>
                 </a:solidFill>
@@ -6177,14 +6177,14 @@
           </a:ln>
           <a:extLst>
             <a:ext uri="{909E8E84-426E-40DD-AFC4-6F175D3DCCD1}">
-              <a14:hiddenFill xmlns:a14="http://schemas.microsoft.com/office/drawing/2010/main">
+              <a14:hiddenFill xmlns:a14="http://schemas.microsoft.com/office/drawing/2010/main" xmlns="">
                 <a:solidFill>
                   <a:srgbClr val="FFFFFF"/>
                 </a:solidFill>
               </a14:hiddenFill>
             </a:ext>
             <a:ext uri="{91240B29-F687-4F45-9708-019B960494DF}">
-              <a14:hiddenLine xmlns:a14="http://schemas.microsoft.com/office/drawing/2010/main" w="9525">
+              <a14:hiddenLine xmlns:a14="http://schemas.microsoft.com/office/drawing/2010/main" xmlns="" w="9525">
                 <a:solidFill>
                   <a:srgbClr val="000000"/>
                 </a:solidFill>
@@ -6311,23 +6311,8 @@
                 </a:solidFill>
                 <a:latin typeface="Verdana" pitchFamily="34" charset="0"/>
               </a:rPr>
-              <a:t>TCC - Sistemas de Informação - </a:t>
-            </a:r>
-            <a:r>
-              <a:rPr lang="pt-BR" altLang="pt-BR" sz="1600" dirty="0" smtClean="0">
-                <a:solidFill>
-                  <a:schemeClr val="bg1"/>
-                </a:solidFill>
-                <a:latin typeface="Verdana" pitchFamily="34" charset="0"/>
-              </a:rPr>
-              <a:t>2015</a:t>
-            </a:r>
-            <a:endParaRPr lang="pt-BR" altLang="pt-BR" sz="1600" dirty="0" smtClean="0">
-              <a:solidFill>
-                <a:schemeClr val="bg1"/>
-              </a:solidFill>
-              <a:latin typeface="Verdana" pitchFamily="34" charset="0"/>
-            </a:endParaRPr>
+              <a:t>TCC - Sistemas de Informação - 2015</a:t>
+            </a:r>
           </a:p>
         </p:txBody>
       </p:sp>
@@ -6358,7 +6343,7 @@
           </a:ln>
           <a:extLst>
             <a:ext uri="{909E8E84-426E-40DD-AFC4-6F175D3DCCD1}">
-              <a14:hiddenFill xmlns:a14="http://schemas.microsoft.com/office/drawing/2010/main">
+              <a14:hiddenFill xmlns:a14="http://schemas.microsoft.com/office/drawing/2010/main" xmlns="">
                 <a:noFill/>
               </a14:hiddenFill>
             </a:ext>
@@ -6423,7 +6408,7 @@
           <a:blip r:embed="rId19" cstate="print">
             <a:extLst>
               <a:ext uri="{28A0092B-C50C-407E-A947-70E740481C1C}">
-                <a14:useLocalDpi xmlns:a14="http://schemas.microsoft.com/office/drawing/2010/main" val="0"/>
+                <a14:useLocalDpi xmlns:a14="http://schemas.microsoft.com/office/drawing/2010/main" xmlns="" val="0"/>
               </a:ext>
             </a:extLst>
           </a:blip>
@@ -6446,14 +6431,14 @@
           </a:ln>
           <a:extLst>
             <a:ext uri="{909E8E84-426E-40DD-AFC4-6F175D3DCCD1}">
-              <a14:hiddenFill xmlns:a14="http://schemas.microsoft.com/office/drawing/2010/main">
+              <a14:hiddenFill xmlns:a14="http://schemas.microsoft.com/office/drawing/2010/main" xmlns="">
                 <a:solidFill>
                   <a:srgbClr val="FFFFFF"/>
                 </a:solidFill>
               </a14:hiddenFill>
             </a:ext>
             <a:ext uri="{91240B29-F687-4F45-9708-019B960494DF}">
-              <a14:hiddenLine xmlns:a14="http://schemas.microsoft.com/office/drawing/2010/main" w="9525">
+              <a14:hiddenLine xmlns:a14="http://schemas.microsoft.com/office/drawing/2010/main" xmlns="" w="9525">
                 <a:solidFill>
                   <a:srgbClr val="000000"/>
                 </a:solidFill>
@@ -6912,14 +6897,14 @@
           </a:ln>
           <a:extLst>
             <a:ext uri="{909E8E84-426E-40DD-AFC4-6F175D3DCCD1}">
-              <a14:hiddenFill xmlns:a14="http://schemas.microsoft.com/office/drawing/2010/main">
+              <a14:hiddenFill xmlns:a14="http://schemas.microsoft.com/office/drawing/2010/main" xmlns="">
                 <a:solidFill>
                   <a:srgbClr val="FFFFFF"/>
                 </a:solidFill>
               </a14:hiddenFill>
             </a:ext>
             <a:ext uri="{91240B29-F687-4F45-9708-019B960494DF}">
-              <a14:hiddenLine xmlns:a14="http://schemas.microsoft.com/office/drawing/2010/main" w="9525">
+              <a14:hiddenLine xmlns:a14="http://schemas.microsoft.com/office/drawing/2010/main" xmlns="" w="9525">
                 <a:solidFill>
                   <a:srgbClr val="000000"/>
                 </a:solidFill>
@@ -6970,14 +6955,14 @@
           </a:ln>
           <a:extLst>
             <a:ext uri="{909E8E84-426E-40DD-AFC4-6F175D3DCCD1}">
-              <a14:hiddenFill xmlns:a14="http://schemas.microsoft.com/office/drawing/2010/main">
+              <a14:hiddenFill xmlns:a14="http://schemas.microsoft.com/office/drawing/2010/main" xmlns="">
                 <a:solidFill>
                   <a:srgbClr val="FFFFFF"/>
                 </a:solidFill>
               </a14:hiddenFill>
             </a:ext>
             <a:ext uri="{91240B29-F687-4F45-9708-019B960494DF}">
-              <a14:hiddenLine xmlns:a14="http://schemas.microsoft.com/office/drawing/2010/main" w="9525">
+              <a14:hiddenLine xmlns:a14="http://schemas.microsoft.com/office/drawing/2010/main" xmlns="" w="9525">
                 <a:solidFill>
                   <a:srgbClr val="000000"/>
                 </a:solidFill>
@@ -7073,7 +7058,7 @@
               <a:pPr>
                 <a:defRPr/>
               </a:pPr>
-              <a:t>26/09/2015</a:t>
+              <a:t>04/10/2015</a:t>
             </a:fld>
             <a:endParaRPr lang="pt-BR"/>
           </a:p>
@@ -7729,14 +7714,14 @@
           </a:ln>
           <a:extLst>
             <a:ext uri="{909E8E84-426E-40DD-AFC4-6F175D3DCCD1}">
-              <a14:hiddenFill xmlns:a14="http://schemas.microsoft.com/office/drawing/2010/main">
+              <a14:hiddenFill xmlns:a14="http://schemas.microsoft.com/office/drawing/2010/main" xmlns="">
                 <a:solidFill>
                   <a:srgbClr val="FFFFFF"/>
                 </a:solidFill>
               </a14:hiddenFill>
             </a:ext>
             <a:ext uri="{91240B29-F687-4F45-9708-019B960494DF}">
-              <a14:hiddenLine xmlns:a14="http://schemas.microsoft.com/office/drawing/2010/main" w="9525">
+              <a14:hiddenLine xmlns:a14="http://schemas.microsoft.com/office/drawing/2010/main" xmlns="" w="9525">
                 <a:solidFill>
                   <a:srgbClr val="000000"/>
                 </a:solidFill>
@@ -7960,7 +7945,7 @@
     <a:masterClrMapping/>
   </p:clrMapOvr>
   <mc:AlternateContent xmlns:mc="http://schemas.openxmlformats.org/markup-compatibility/2006">
-    <mc:Choice xmlns:p14="http://schemas.microsoft.com/office/powerpoint/2010/main" Requires="p14">
+    <mc:Choice xmlns:p14="http://schemas.microsoft.com/office/powerpoint/2010/main" xmlns="" Requires="p14">
       <p:transition spd="slow" p14:dur="900">
         <p14:warp dir="in"/>
       </p:transition>
@@ -8206,7 +8191,7 @@
     <a:masterClrMapping/>
   </p:clrMapOvr>
   <mc:AlternateContent xmlns:mc="http://schemas.openxmlformats.org/markup-compatibility/2006">
-    <mc:Choice xmlns:p14="http://schemas.microsoft.com/office/powerpoint/2010/main" Requires="p14">
+    <mc:Choice xmlns:p14="http://schemas.microsoft.com/office/powerpoint/2010/main" xmlns="" Requires="p14">
       <p:transition spd="slow" p14:dur="3900">
         <p14:glitter pattern="hexagon"/>
       </p:transition>
@@ -8392,14 +8377,14 @@
           </a:ln>
           <a:extLst>
             <a:ext uri="{909E8E84-426E-40DD-AFC4-6F175D3DCCD1}">
-              <a14:hiddenFill xmlns:a14="http://schemas.microsoft.com/office/drawing/2010/main">
+              <a14:hiddenFill xmlns:a14="http://schemas.microsoft.com/office/drawing/2010/main" xmlns="">
                 <a:solidFill>
                   <a:srgbClr val="FFFFFF"/>
                 </a:solidFill>
               </a14:hiddenFill>
             </a:ext>
             <a:ext uri="{91240B29-F687-4F45-9708-019B960494DF}">
-              <a14:hiddenLine xmlns:a14="http://schemas.microsoft.com/office/drawing/2010/main" w="9525">
+              <a14:hiddenLine xmlns:a14="http://schemas.microsoft.com/office/drawing/2010/main" xmlns="" w="9525">
                 <a:solidFill>
                   <a:srgbClr val="000000"/>
                 </a:solidFill>
@@ -8623,7 +8608,7 @@
     <a:masterClrMapping/>
   </p:clrMapOvr>
   <mc:AlternateContent xmlns:mc="http://schemas.openxmlformats.org/markup-compatibility/2006">
-    <mc:Choice xmlns:p14="http://schemas.microsoft.com/office/powerpoint/2010/main" Requires="p14">
+    <mc:Choice xmlns:p14="http://schemas.microsoft.com/office/powerpoint/2010/main" xmlns="" Requires="p14">
       <p:transition spd="slow" p14:dur="4400">
         <p14:honeycomb/>
       </p:transition>
@@ -8749,7 +8734,7 @@
     <a:masterClrMapping/>
   </p:clrMapOvr>
   <mc:AlternateContent xmlns:mc="http://schemas.openxmlformats.org/markup-compatibility/2006">
-    <mc:Choice xmlns:p14="http://schemas.microsoft.com/office/powerpoint/2010/main" Requires="p14">
+    <mc:Choice xmlns:p14="http://schemas.microsoft.com/office/powerpoint/2010/main" xmlns="" Requires="p14">
       <p:transition spd="slow" p14:dur="1600">
         <p14:prism isInverted="1"/>
       </p:transition>
@@ -8947,7 +8932,7 @@
     <a:masterClrMapping/>
   </p:clrMapOvr>
   <mc:AlternateContent xmlns:mc="http://schemas.openxmlformats.org/markup-compatibility/2006">
-    <mc:Choice xmlns:p14="http://schemas.microsoft.com/office/powerpoint/2010/main" Requires="p14">
+    <mc:Choice xmlns:p14="http://schemas.microsoft.com/office/powerpoint/2010/main" xmlns="" Requires="p14">
       <p:transition spd="slow" p14:dur="1400">
         <p14:doors dir="vert"/>
       </p:transition>
@@ -9133,7 +9118,7 @@
     <a:masterClrMapping/>
   </p:clrMapOvr>
   <mc:AlternateContent xmlns:mc="http://schemas.openxmlformats.org/markup-compatibility/2006">
-    <mc:Choice xmlns:p14="http://schemas.microsoft.com/office/powerpoint/2010/main" Requires="p14">
+    <mc:Choice xmlns:p14="http://schemas.microsoft.com/office/powerpoint/2010/main" xmlns="" Requires="p14">
       <p:transition spd="slow" p14:dur="1200">
         <p14:prism/>
       </p:transition>
@@ -9291,7 +9276,7 @@
     <a:masterClrMapping/>
   </p:clrMapOvr>
   <mc:AlternateContent xmlns:mc="http://schemas.openxmlformats.org/markup-compatibility/2006">
-    <mc:Choice xmlns:p14="http://schemas.microsoft.com/office/powerpoint/2010/main" Requires="p14">
+    <mc:Choice xmlns:p14="http://schemas.microsoft.com/office/powerpoint/2010/main" xmlns="" Requires="p14">
       <p:transition spd="slow" p14:dur="1600">
         <p14:gallery dir="l"/>
       </p:transition>
@@ -9544,7 +9529,7 @@
     <a:masterClrMapping/>
   </p:clrMapOvr>
   <mc:AlternateContent xmlns:mc="http://schemas.openxmlformats.org/markup-compatibility/2006">
-    <mc:Choice xmlns:p14="http://schemas.microsoft.com/office/powerpoint/2010/main" Requires="p14">
+    <mc:Choice xmlns:p14="http://schemas.microsoft.com/office/powerpoint/2010/main" xmlns="" Requires="p14">
       <p:transition spd="slow" p14:dur="1200">
         <p14:flip dir="r"/>
       </p:transition>
@@ -9604,13 +9589,13 @@
           <a:p>
             <a:pPr algn="ctr" eaLnBrk="1" hangingPunct="1"/>
             <a:r>
-              <a:rPr lang="pt-BR" altLang="pt-BR" sz="4400" b="0" smtClean="0">
+              <a:rPr lang="pt-BR" altLang="pt-BR" sz="4400" b="0" dirty="0" smtClean="0">
                 <a:latin typeface="Arial" charset="0"/>
                 <a:cs typeface="Arial" charset="0"/>
               </a:rPr>
               <a:t>Metodologia</a:t>
             </a:r>
-            <a:endParaRPr lang="en-US" altLang="pt-BR" sz="4400" b="0" smtClean="0">
+            <a:endParaRPr lang="en-US" altLang="pt-BR" sz="4400" b="0" dirty="0" smtClean="0">
               <a:latin typeface="Arial" charset="0"/>
               <a:cs typeface="Arial" charset="0"/>
             </a:endParaRPr>
@@ -9711,7 +9696,7 @@
     <a:masterClrMapping/>
   </p:clrMapOvr>
   <mc:AlternateContent xmlns:mc="http://schemas.openxmlformats.org/markup-compatibility/2006">
-    <mc:Choice xmlns:p14="http://schemas.microsoft.com/office/powerpoint/2010/main" Requires="p14">
+    <mc:Choice xmlns:p14="http://schemas.microsoft.com/office/powerpoint/2010/main" xmlns="" Requires="p14">
       <p:transition spd="slow" p14:dur="1100">
         <p14:switch dir="r"/>
       </p:transition>
@@ -9771,13 +9756,13 @@
           <a:p>
             <a:pPr algn="ctr" eaLnBrk="1" hangingPunct="1"/>
             <a:r>
-              <a:rPr lang="pt-BR" altLang="pt-BR" b="0" smtClean="0">
+              <a:rPr lang="pt-BR" altLang="pt-BR" b="0" dirty="0" smtClean="0">
                 <a:latin typeface="Arial" charset="0"/>
                 <a:cs typeface="Arial" charset="0"/>
               </a:rPr>
               <a:t>Discussão de Resultados</a:t>
             </a:r>
-            <a:endParaRPr lang="en-US" altLang="pt-BR" b="0" smtClean="0">
+            <a:endParaRPr lang="en-US" altLang="pt-BR" b="0" dirty="0" smtClean="0">
               <a:latin typeface="Arial" charset="0"/>
               <a:cs typeface="Arial" charset="0"/>
             </a:endParaRPr>
@@ -9903,7 +9888,7 @@
     <a:masterClrMapping/>
   </p:clrMapOvr>
   <mc:AlternateContent xmlns:mc="http://schemas.openxmlformats.org/markup-compatibility/2006">
-    <mc:Choice xmlns:p14="http://schemas.microsoft.com/office/powerpoint/2010/main" Requires="p14">
+    <mc:Choice xmlns:p14="http://schemas.microsoft.com/office/powerpoint/2010/main" xmlns="" Requires="p14">
       <p:transition spd="slow" p14:dur="3000">
         <p14:shred/>
       </p:transition>
@@ -10137,7 +10122,7 @@
     <a:masterClrMapping/>
   </p:clrMapOvr>
   <mc:AlternateContent xmlns:mc="http://schemas.openxmlformats.org/markup-compatibility/2006">
-    <mc:Choice xmlns:p14="http://schemas.microsoft.com/office/powerpoint/2010/main" Requires="p14">
+    <mc:Choice xmlns:p14="http://schemas.microsoft.com/office/powerpoint/2010/main" xmlns="" Requires="p14">
       <p:transition spd="slow" p14:dur="4000">
         <p14:vortex dir="r"/>
       </p:transition>
